--- a/Y Schedule.pptx
+++ b/Y Schedule.pptx
@@ -221,7 +221,7 @@
           <a:p>
             <a:fld id="{59088EAF-6ECA-4616-85EF-35AA19C641F3}" type="datetimeFigureOut">
               <a:rPr lang="en-US"/>
-              <a:t>8/2/2018</a:t>
+              <a:t>8/3/2018</a:t>
             </a:fld>
             <a:endParaRPr/>
           </a:p>
@@ -386,7 +386,7 @@
           <a:p>
             <a:fld id="{3ABD2D7A-D230-4F91-BD59-0A39C2703BA8}" type="datetimeFigureOut">
               <a:rPr lang="en-US"/>
-              <a:t>8/2/2018</a:t>
+              <a:t>8/3/2018</a:t>
             </a:fld>
             <a:endParaRPr/>
           </a:p>
@@ -995,7 +995,7 @@
           <a:p>
             <a:fld id="{03F41C87-7AD9-4845-A077-840E4A0F3F06}" type="datetimeFigureOut">
               <a:rPr lang="en-US"/>
-              <a:t>8/2/2018</a:t>
+              <a:t>8/3/2018</a:t>
             </a:fld>
             <a:endParaRPr/>
           </a:p>
@@ -1187,7 +1187,7 @@
           <a:p>
             <a:fld id="{03F41C87-7AD9-4845-A077-840E4A0F3F06}" type="datetimeFigureOut">
               <a:rPr lang="en-US"/>
-              <a:t>8/2/2018</a:t>
+              <a:t>8/3/2018</a:t>
             </a:fld>
             <a:endParaRPr/>
           </a:p>
@@ -1376,7 +1376,7 @@
           <a:p>
             <a:fld id="{03F41C87-7AD9-4845-A077-840E4A0F3F06}" type="datetimeFigureOut">
               <a:rPr lang="en-US"/>
-              <a:t>8/2/2018</a:t>
+              <a:t>8/3/2018</a:t>
             </a:fld>
             <a:endParaRPr/>
           </a:p>
@@ -1656,7 +1656,7 @@
           <a:p>
             <a:fld id="{03F41C87-7AD9-4845-A077-840E4A0F3F06}" type="datetimeFigureOut">
               <a:rPr lang="en-US"/>
-              <a:t>8/2/2018</a:t>
+              <a:t>8/3/2018</a:t>
             </a:fld>
             <a:endParaRPr/>
           </a:p>
@@ -1960,7 +1960,7 @@
           <a:p>
             <a:fld id="{03F41C87-7AD9-4845-A077-840E4A0F3F06}" type="datetimeFigureOut">
               <a:rPr lang="en-US"/>
-              <a:t>8/2/2018</a:t>
+              <a:t>8/3/2018</a:t>
             </a:fld>
             <a:endParaRPr/>
           </a:p>
@@ -2416,7 +2416,7 @@
           <a:p>
             <a:fld id="{03F41C87-7AD9-4845-A077-840E4A0F3F06}" type="datetimeFigureOut">
               <a:rPr lang="en-US"/>
-              <a:t>8/2/2018</a:t>
+              <a:t>8/3/2018</a:t>
             </a:fld>
             <a:endParaRPr/>
           </a:p>
@@ -2546,7 +2546,7 @@
           <a:p>
             <a:fld id="{03F41C87-7AD9-4845-A077-840E4A0F3F06}" type="datetimeFigureOut">
               <a:rPr lang="en-US"/>
-              <a:t>8/2/2018</a:t>
+              <a:t>8/3/2018</a:t>
             </a:fld>
             <a:endParaRPr/>
           </a:p>
@@ -2661,7 +2661,7 @@
           <a:p>
             <a:fld id="{03F41C87-7AD9-4845-A077-840E4A0F3F06}" type="datetimeFigureOut">
               <a:rPr lang="en-US"/>
-              <a:t>8/2/2018</a:t>
+              <a:t>8/3/2018</a:t>
             </a:fld>
             <a:endParaRPr/>
           </a:p>
@@ -2983,7 +2983,7 @@
           <a:p>
             <a:fld id="{03F41C87-7AD9-4845-A077-840E4A0F3F06}" type="datetimeFigureOut">
               <a:rPr lang="en-US"/>
-              <a:t>8/2/2018</a:t>
+              <a:t>8/3/2018</a:t>
             </a:fld>
             <a:endParaRPr/>
           </a:p>
@@ -3295,7 +3295,7 @@
             <a:fld id="{03F41C87-7AD9-4845-A077-840E4A0F3F06}" type="datetimeFigureOut">
               <a:rPr lang="en-US"/>
               <a:pPr/>
-              <a:t>8/2/2018</a:t>
+              <a:t>8/3/2018</a:t>
             </a:fld>
             <a:endParaRPr/>
           </a:p>
@@ -3549,7 +3549,7 @@
             <a:fld id="{03F41C87-7AD9-4845-A077-840E4A0F3F06}" type="datetimeFigureOut">
               <a:rPr lang="en-US" smtClean="0"/>
               <a:pPr/>
-              <a:t>8/2/2018</a:t>
+              <a:t>8/3/2018</a:t>
             </a:fld>
             <a:endParaRPr lang="en-US"/>
           </a:p>
@@ -4012,7 +4012,7 @@
         <p:spPr>
           <a:xfrm>
             <a:off x="912812" y="4648200"/>
-            <a:ext cx="7467600" cy="1981200"/>
+            <a:ext cx="7467600" cy="2362200"/>
           </a:xfrm>
           <a:prstGeom prst="rect">
             <a:avLst/>
@@ -4104,8 +4104,33 @@
                   <a:schemeClr val="accent1"/>
                 </a:solidFill>
               </a:rPr>
+              <a:t>	Salara </a:t>
+            </a:r>
+            <a:r>
+              <a:rPr lang="en-US" sz="2800" dirty="0" err="1">
+                <a:solidFill>
+                  <a:schemeClr val="accent1"/>
+                </a:solidFill>
+              </a:rPr>
+              <a:t>Elris</a:t>
+            </a:r>
+            <a:endParaRPr lang="en-US" sz="2800" dirty="0">
+              <a:solidFill>
+                <a:schemeClr val="accent1"/>
+              </a:solidFill>
+            </a:endParaRPr>
+          </a:p>
+          <a:p>
+            <a:r>
+              <a:rPr lang="en-US" sz="2800" dirty="0">
+                <a:solidFill>
+                  <a:schemeClr val="accent1"/>
+                </a:solidFill>
+              </a:rPr>
               <a:t>	Zachary Diaz</a:t>
             </a:r>
+          </a:p>
+          <a:p>
             <a:endParaRPr lang="it-IT" sz="2800" dirty="0">
               <a:solidFill>
                 <a:schemeClr val="accent1"/>
